--- a/doc/ppt.pptx
+++ b/doc/ppt.pptx
@@ -230,7 +230,7 @@
             <a:pPr rtl="0"/>
             <a:fld id="{23A8DBB9-FF4D-4FDA-AD34-27FA86519578}" type="datetime1">
               <a:rPr lang="zh-CN" altLang="en-US" smtClean="0"/>
-              <a:t>2021/8/15</a:t>
+              <a:t>2021/8/16</a:t>
             </a:fld>
             <a:endParaRPr lang="en-US"/>
           </a:p>
@@ -400,7 +400,7 @@
             <a:pPr rtl="0"/>
             <a:fld id="{8E1CCE20-FD2F-40C5-ABE3-3369F20AA0E6}" type="datetime1">
               <a:rPr lang="zh-CN" altLang="en-US" smtClean="0"/>
-              <a:t>2021/8/15</a:t>
+              <a:t>2021/8/16</a:t>
             </a:fld>
             <a:endParaRPr lang="en-US"/>
           </a:p>
@@ -920,7 +920,7 @@
             <a:pPr rtl="0"/>
             <a:fld id="{E203234F-2943-4AD6-8E73-34C216403FC9}" type="datetime1">
               <a:rPr lang="zh-CN" altLang="en-US" smtClean="0"/>
-              <a:t>2021/8/15</a:t>
+              <a:t>2021/8/16</a:t>
             </a:fld>
             <a:endParaRPr lang="en-US" dirty="0"/>
           </a:p>
@@ -1112,7 +1112,7 @@
             <a:pPr rtl="0"/>
             <a:fld id="{6818B044-5115-4C63-8F06-0D627F0729F0}" type="datetime1">
               <a:rPr lang="zh-CN" altLang="en-US" smtClean="0"/>
-              <a:t>2021/8/15</a:t>
+              <a:t>2021/8/16</a:t>
             </a:fld>
             <a:endParaRPr lang="en-US" dirty="0"/>
           </a:p>
@@ -1358,7 +1358,7 @@
             <a:pPr rtl="0"/>
             <a:fld id="{C0E476C3-78BD-40CB-9C6F-0D41DD7E1D50}" type="datetime1">
               <a:rPr lang="zh-CN" altLang="en-US" smtClean="0"/>
-              <a:t>2021/8/15</a:t>
+              <a:t>2021/8/16</a:t>
             </a:fld>
             <a:endParaRPr lang="en-US" dirty="0"/>
           </a:p>
@@ -1550,7 +1550,7 @@
             <a:pPr rtl="0"/>
             <a:fld id="{A24A4C0A-F292-41BE-9CD1-530467B1B9F8}" type="datetime1">
               <a:rPr lang="zh-CN" altLang="en-US" smtClean="0"/>
-              <a:t>2021/8/15</a:t>
+              <a:t>2021/8/16</a:t>
             </a:fld>
             <a:endParaRPr lang="en-US" dirty="0"/>
           </a:p>
@@ -1927,7 +1927,7 @@
             <a:pPr rtl="0"/>
             <a:fld id="{C31630FC-7090-4D1C-93D5-113C82941F4E}" type="datetime1">
               <a:rPr lang="zh-CN" altLang="en-US" smtClean="0"/>
-              <a:t>2021/8/15</a:t>
+              <a:t>2021/8/16</a:t>
             </a:fld>
             <a:endParaRPr lang="en-US" dirty="0"/>
           </a:p>
@@ -2186,7 +2186,7 @@
             <a:pPr rtl="0"/>
             <a:fld id="{81EDFCFC-F8E9-4049-95DD-C79391CC7BFF}" type="datetime1">
               <a:rPr lang="zh-CN" altLang="en-US" smtClean="0"/>
-              <a:t>2021/8/15</a:t>
+              <a:t>2021/8/16</a:t>
             </a:fld>
             <a:endParaRPr lang="en-US" dirty="0"/>
           </a:p>
@@ -2587,7 +2587,7 @@
             <a:pPr rtl="0"/>
             <a:fld id="{EFBE5E81-E012-42C1-892B-1E2892457684}" type="datetime1">
               <a:rPr lang="zh-CN" altLang="en-US" smtClean="0"/>
-              <a:t>2021/8/15</a:t>
+              <a:t>2021/8/16</a:t>
             </a:fld>
             <a:endParaRPr lang="en-US" dirty="0"/>
           </a:p>
@@ -2727,7 +2727,7 @@
             <a:pPr rtl="0"/>
             <a:fld id="{DA05DBCF-E3D4-4FC7-9203-C0C05B2BAA55}" type="datetime1">
               <a:rPr lang="zh-CN" altLang="en-US" smtClean="0"/>
-              <a:t>2021/8/15</a:t>
+              <a:t>2021/8/16</a:t>
             </a:fld>
             <a:endParaRPr lang="en-US" dirty="0"/>
           </a:p>
@@ -2887,7 +2887,7 @@
             <a:pPr rtl="0"/>
             <a:fld id="{4910A522-F0F5-43AE-870D-B1652467F5E7}" type="datetime1">
               <a:rPr lang="zh-CN" altLang="en-US" smtClean="0"/>
-              <a:t>2021/8/15</a:t>
+              <a:t>2021/8/16</a:t>
             </a:fld>
             <a:endParaRPr lang="en-US" dirty="0"/>
           </a:p>
@@ -3220,7 +3220,7 @@
             <a:pPr rtl="0"/>
             <a:fld id="{4571CF06-CFCF-4651-AD58-EA72AF9A9AA5}" type="datetime1">
               <a:rPr lang="zh-CN" altLang="en-US" smtClean="0"/>
-              <a:t>2021/8/15</a:t>
+              <a:t>2021/8/16</a:t>
             </a:fld>
             <a:endParaRPr lang="en-US" dirty="0"/>
           </a:p>
@@ -3575,7 +3575,7 @@
             <a:pPr rtl="0"/>
             <a:fld id="{A78803E1-1726-4879-80E3-452B390141DD}" type="datetime1">
               <a:rPr lang="zh-CN" altLang="en-US" smtClean="0"/>
-              <a:t>2021/8/15</a:t>
+              <a:t>2021/8/16</a:t>
             </a:fld>
             <a:endParaRPr lang="en-US" dirty="0"/>
           </a:p>
@@ -3840,7 +3840,7 @@
           <a:p>
             <a:fld id="{4ECCA8BC-1B61-46E2-9581-00FC2FDA063C}" type="datetime1">
               <a:rPr lang="zh-CN" altLang="en-US" smtClean="0"/>
-              <a:t>2021/8/15</a:t>
+              <a:t>2021/8/16</a:t>
             </a:fld>
             <a:endParaRPr lang="en-US" dirty="0"/>
           </a:p>
@@ -4972,7 +4972,7 @@
             <a:pPr rtl="0"/>
             <a:fld id="{A24A4C0A-F292-41BE-9CD1-530467B1B9F8}" type="datetime1">
               <a:rPr lang="zh-CN" altLang="en-US" smtClean="0"/>
-              <a:t>2021/8/15</a:t>
+              <a:t>2021/8/16</a:t>
             </a:fld>
             <a:endParaRPr lang="en-US" dirty="0"/>
           </a:p>
@@ -5602,7 +5602,7 @@
             <a:pPr rtl="0"/>
             <a:fld id="{A24A4C0A-F292-41BE-9CD1-530467B1B9F8}" type="datetime1">
               <a:rPr lang="zh-CN" altLang="en-US" smtClean="0"/>
-              <a:t>2021/8/15</a:t>
+              <a:t>2021/8/16</a:t>
             </a:fld>
             <a:endParaRPr lang="en-US" dirty="0"/>
           </a:p>
@@ -6078,7 +6078,7 @@
             <a:pPr rtl="0"/>
             <a:fld id="{A24A4C0A-F292-41BE-9CD1-530467B1B9F8}" type="datetime1">
               <a:rPr lang="zh-CN" altLang="en-US" smtClean="0"/>
-              <a:t>2021/8/15</a:t>
+              <a:t>2021/8/16</a:t>
             </a:fld>
             <a:endParaRPr lang="en-US" dirty="0"/>
           </a:p>
@@ -6553,7 +6553,7 @@
             <a:pPr rtl="0"/>
             <a:fld id="{A24A4C0A-F292-41BE-9CD1-530467B1B9F8}" type="datetime1">
               <a:rPr lang="zh-CN" altLang="en-US" smtClean="0"/>
-              <a:t>2021/8/15</a:t>
+              <a:t>2021/8/16</a:t>
             </a:fld>
             <a:endParaRPr lang="en-US" dirty="0"/>
           </a:p>
@@ -6994,7 +6994,7 @@
             <a:pPr rtl="0"/>
             <a:fld id="{A24A4C0A-F292-41BE-9CD1-530467B1B9F8}" type="datetime1">
               <a:rPr lang="zh-CN" altLang="en-US" smtClean="0"/>
-              <a:t>2021/8/15</a:t>
+              <a:t>2021/8/16</a:t>
             </a:fld>
             <a:endParaRPr lang="en-US" dirty="0"/>
           </a:p>
@@ -7440,7 +7440,7 @@
             <a:pPr rtl="0"/>
             <a:fld id="{A24A4C0A-F292-41BE-9CD1-530467B1B9F8}" type="datetime1">
               <a:rPr lang="zh-CN" altLang="en-US" smtClean="0"/>
-              <a:t>2021/8/15</a:t>
+              <a:t>2021/8/16</a:t>
             </a:fld>
             <a:endParaRPr lang="en-US" dirty="0"/>
           </a:p>
@@ -7995,7 +7995,7 @@
             <a:pPr rtl="0"/>
             <a:fld id="{A24A4C0A-F292-41BE-9CD1-530467B1B9F8}" type="datetime1">
               <a:rPr lang="zh-CN" altLang="en-US" smtClean="0"/>
-              <a:t>2021/8/15</a:t>
+              <a:t>2021/8/16</a:t>
             </a:fld>
             <a:endParaRPr lang="en-US" dirty="0"/>
           </a:p>
@@ -8571,7 +8571,7 @@
             <a:pPr rtl="0"/>
             <a:fld id="{A24A4C0A-F292-41BE-9CD1-530467B1B9F8}" type="datetime1">
               <a:rPr lang="zh-CN" altLang="en-US" smtClean="0"/>
-              <a:t>2021/8/15</a:t>
+              <a:t>2021/8/16</a:t>
             </a:fld>
             <a:endParaRPr lang="en-US" dirty="0"/>
           </a:p>
@@ -9314,7 +9314,7 @@
             <a:pPr rtl="0"/>
             <a:fld id="{A24A4C0A-F292-41BE-9CD1-530467B1B9F8}" type="datetime1">
               <a:rPr lang="zh-CN" altLang="en-US" smtClean="0"/>
-              <a:t>2021/8/15</a:t>
+              <a:t>2021/8/16</a:t>
             </a:fld>
             <a:endParaRPr lang="en-US" dirty="0"/>
           </a:p>
@@ -9978,7 +9978,7 @@
             <a:pPr rtl="0"/>
             <a:fld id="{A24A4C0A-F292-41BE-9CD1-530467B1B9F8}" type="datetime1">
               <a:rPr lang="zh-CN" altLang="en-US" smtClean="0"/>
-              <a:t>2021/8/15</a:t>
+              <a:t>2021/8/16</a:t>
             </a:fld>
             <a:endParaRPr lang="en-US" dirty="0"/>
           </a:p>
@@ -10067,7 +10067,7 @@
             <a:pPr rtl="0"/>
             <a:fld id="{A24A4C0A-F292-41BE-9CD1-530467B1B9F8}" type="datetime1">
               <a:rPr lang="zh-CN" altLang="en-US" smtClean="0"/>
-              <a:t>2021/8/15</a:t>
+              <a:t>2021/8/16</a:t>
             </a:fld>
             <a:endParaRPr lang="en-US" dirty="0"/>
           </a:p>
@@ -10264,7 +10264,7 @@
             <a:pPr rtl="0"/>
             <a:fld id="{A24A4C0A-F292-41BE-9CD1-530467B1B9F8}" type="datetime1">
               <a:rPr lang="zh-CN" altLang="en-US" smtClean="0"/>
-              <a:t>2021/8/15</a:t>
+              <a:t>2021/8/16</a:t>
             </a:fld>
             <a:endParaRPr lang="en-US" dirty="0"/>
           </a:p>
@@ -10792,7 +10792,7 @@
             <a:pPr rtl="0"/>
             <a:fld id="{A24A4C0A-F292-41BE-9CD1-530467B1B9F8}" type="datetime1">
               <a:rPr lang="zh-CN" altLang="en-US" smtClean="0"/>
-              <a:t>2021/8/15</a:t>
+              <a:t>2021/8/16</a:t>
             </a:fld>
             <a:endParaRPr lang="en-US" dirty="0"/>
           </a:p>
@@ -11743,7 +11743,7 @@
             <a:pPr rtl="0"/>
             <a:fld id="{A24A4C0A-F292-41BE-9CD1-530467B1B9F8}" type="datetime1">
               <a:rPr lang="zh-CN" altLang="en-US" smtClean="0"/>
-              <a:t>2021/8/15</a:t>
+              <a:t>2021/8/16</a:t>
             </a:fld>
             <a:endParaRPr lang="en-US" dirty="0"/>
           </a:p>
@@ -11832,55 +11832,12 @@
             <a:pPr rtl="0"/>
             <a:fld id="{A24A4C0A-F292-41BE-9CD1-530467B1B9F8}" type="datetime1">
               <a:rPr lang="zh-CN" altLang="en-US" smtClean="0"/>
-              <a:t>2021/8/15</a:t>
+              <a:t>2021/8/16</a:t>
             </a:fld>
             <a:endParaRPr lang="en-US" dirty="0"/>
           </a:p>
         </p:txBody>
       </p:sp>
-      <p:pic>
-        <p:nvPicPr>
-          <p:cNvPr id="5" name="内容占位符 4">
-            <a:extLst>
-              <a:ext uri="{FF2B5EF4-FFF2-40B4-BE49-F238E27FC236}">
-                <a16:creationId xmlns:a16="http://schemas.microsoft.com/office/drawing/2014/main" id="{B792BF9E-DF25-4B3D-8663-068994F586D6}"/>
-              </a:ext>
-            </a:extLst>
-          </p:cNvPr>
-          <p:cNvPicPr>
-            <a:picLocks noGrp="1"/>
-          </p:cNvPicPr>
-          <p:nvPr>
-            <p:ph idx="1"/>
-          </p:nvPr>
-        </p:nvPicPr>
-        <p:blipFill>
-          <a:blip r:embed="rId2">
-            <a:extLst>
-              <a:ext uri="{28A0092B-C50C-407E-A947-70E740481C1C}">
-                <a14:useLocalDpi xmlns:a14="http://schemas.microsoft.com/office/drawing/2010/main" val="0"/>
-              </a:ext>
-            </a:extLst>
-          </a:blip>
-          <a:srcRect/>
-          <a:stretch>
-            <a:fillRect/>
-          </a:stretch>
-        </p:blipFill>
-        <p:spPr bwMode="auto">
-          <a:xfrm>
-            <a:off x="3287993" y="1915253"/>
-            <a:ext cx="8159481" cy="3760788"/>
-          </a:xfrm>
-          <a:prstGeom prst="rect">
-            <a:avLst/>
-          </a:prstGeom>
-          <a:noFill/>
-          <a:ln>
-            <a:noFill/>
-          </a:ln>
-        </p:spPr>
-      </p:pic>
       <p:sp>
         <p:nvSpPr>
           <p:cNvPr id="6" name="内容占位符 2">
@@ -12310,6 +12267,41 @@
           </a:p>
         </p:txBody>
       </p:sp>
+      <p:pic>
+        <p:nvPicPr>
+          <p:cNvPr id="9" name="内容占位符 8">
+            <a:extLst>
+              <a:ext uri="{FF2B5EF4-FFF2-40B4-BE49-F238E27FC236}">
+                <a16:creationId xmlns:a16="http://schemas.microsoft.com/office/drawing/2014/main" id="{F8306189-9598-49D3-A977-5480A1B526B8}"/>
+              </a:ext>
+            </a:extLst>
+          </p:cNvPr>
+          <p:cNvPicPr>
+            <a:picLocks noGrp="1" noChangeAspect="1"/>
+          </p:cNvPicPr>
+          <p:nvPr>
+            <p:ph idx="1"/>
+          </p:nvPr>
+        </p:nvPicPr>
+        <p:blipFill>
+          <a:blip r:embed="rId2">
+            <a:extLst>
+              <a:ext uri="{28A0092B-C50C-407E-A947-70E740481C1C}">
+                <a14:useLocalDpi xmlns:a14="http://schemas.microsoft.com/office/drawing/2010/main" val="0"/>
+              </a:ext>
+            </a:extLst>
+          </a:blip>
+          <a:stretch>
+            <a:fillRect/>
+          </a:stretch>
+        </p:blipFill>
+        <p:spPr>
+          <a:xfrm>
+            <a:off x="3237658" y="1831363"/>
+            <a:ext cx="8159481" cy="3760788"/>
+          </a:xfrm>
+        </p:spPr>
+      </p:pic>
     </p:spTree>
     <p:extLst>
       <p:ext uri="{BB962C8B-B14F-4D97-AF65-F5344CB8AC3E}">
@@ -12581,7 +12573,7 @@
             <a:pPr rtl="0"/>
             <a:fld id="{A24A4C0A-F292-41BE-9CD1-530467B1B9F8}" type="datetime1">
               <a:rPr lang="zh-CN" altLang="en-US" smtClean="0"/>
-              <a:t>2021/8/15</a:t>
+              <a:t>2021/8/16</a:t>
             </a:fld>
             <a:endParaRPr lang="en-US" dirty="0"/>
           </a:p>
@@ -12745,7 +12737,7 @@
             <a:pPr rtl="0"/>
             <a:fld id="{A24A4C0A-F292-41BE-9CD1-530467B1B9F8}" type="datetime1">
               <a:rPr lang="zh-CN" altLang="en-US" smtClean="0"/>
-              <a:t>2021/8/15</a:t>
+              <a:t>2021/8/16</a:t>
             </a:fld>
             <a:endParaRPr lang="en-US" dirty="0"/>
           </a:p>
@@ -12834,7 +12826,7 @@
             <a:pPr rtl="0"/>
             <a:fld id="{A24A4C0A-F292-41BE-9CD1-530467B1B9F8}" type="datetime1">
               <a:rPr lang="zh-CN" altLang="en-US" smtClean="0"/>
-              <a:t>2021/8/15</a:t>
+              <a:t>2021/8/16</a:t>
             </a:fld>
             <a:endParaRPr lang="en-US" dirty="0"/>
           </a:p>
@@ -13388,55 +13380,12 @@
             <a:pPr rtl="0"/>
             <a:fld id="{A24A4C0A-F292-41BE-9CD1-530467B1B9F8}" type="datetime1">
               <a:rPr lang="zh-CN" altLang="en-US" smtClean="0"/>
-              <a:t>2021/8/15</a:t>
+              <a:t>2021/8/16</a:t>
             </a:fld>
             <a:endParaRPr lang="en-US" dirty="0"/>
           </a:p>
         </p:txBody>
       </p:sp>
-      <p:pic>
-        <p:nvPicPr>
-          <p:cNvPr id="5" name="内容占位符 4">
-            <a:extLst>
-              <a:ext uri="{FF2B5EF4-FFF2-40B4-BE49-F238E27FC236}">
-                <a16:creationId xmlns:a16="http://schemas.microsoft.com/office/drawing/2014/main" id="{B01ABD66-4076-4471-9B4D-DFB38CB2AF33}"/>
-              </a:ext>
-            </a:extLst>
-          </p:cNvPr>
-          <p:cNvPicPr>
-            <a:picLocks noGrp="1"/>
-          </p:cNvPicPr>
-          <p:nvPr>
-            <p:ph idx="1"/>
-          </p:nvPr>
-        </p:nvPicPr>
-        <p:blipFill>
-          <a:blip r:embed="rId2">
-            <a:extLst>
-              <a:ext uri="{28A0092B-C50C-407E-A947-70E740481C1C}">
-                <a14:useLocalDpi xmlns:a14="http://schemas.microsoft.com/office/drawing/2010/main" val="0"/>
-              </a:ext>
-            </a:extLst>
-          </a:blip>
-          <a:srcRect/>
-          <a:stretch>
-            <a:fillRect/>
-          </a:stretch>
-        </p:blipFill>
-        <p:spPr bwMode="auto">
-          <a:xfrm>
-            <a:off x="3967301" y="1395134"/>
-            <a:ext cx="7466893" cy="4493937"/>
-          </a:xfrm>
-          <a:prstGeom prst="rect">
-            <a:avLst/>
-          </a:prstGeom>
-          <a:noFill/>
-          <a:ln>
-            <a:noFill/>
-          </a:ln>
-        </p:spPr>
-      </p:pic>
       <p:sp>
         <p:nvSpPr>
           <p:cNvPr id="6" name="内容占位符 2">
@@ -13832,6 +13781,41 @@
           </a:p>
         </p:txBody>
       </p:sp>
+      <p:pic>
+        <p:nvPicPr>
+          <p:cNvPr id="9" name="内容占位符 8">
+            <a:extLst>
+              <a:ext uri="{FF2B5EF4-FFF2-40B4-BE49-F238E27FC236}">
+                <a16:creationId xmlns:a16="http://schemas.microsoft.com/office/drawing/2014/main" id="{0404FE15-3798-4E24-BDD6-D57E7D2FE58C}"/>
+              </a:ext>
+            </a:extLst>
+          </p:cNvPr>
+          <p:cNvPicPr>
+            <a:picLocks noGrp="1" noChangeAspect="1"/>
+          </p:cNvPicPr>
+          <p:nvPr>
+            <p:ph idx="1"/>
+          </p:nvPr>
+        </p:nvPicPr>
+        <p:blipFill>
+          <a:blip r:embed="rId2">
+            <a:extLst>
+              <a:ext uri="{28A0092B-C50C-407E-A947-70E740481C1C}">
+                <a14:useLocalDpi xmlns:a14="http://schemas.microsoft.com/office/drawing/2010/main" val="0"/>
+              </a:ext>
+            </a:extLst>
+          </a:blip>
+          <a:stretch>
+            <a:fillRect/>
+          </a:stretch>
+        </p:blipFill>
+        <p:spPr>
+          <a:xfrm>
+            <a:off x="4303124" y="1437079"/>
+            <a:ext cx="6852556" cy="4239065"/>
+          </a:xfrm>
+        </p:spPr>
+      </p:pic>
     </p:spTree>
     <p:extLst>
       <p:ext uri="{BB962C8B-B14F-4D97-AF65-F5344CB8AC3E}">

--- a/doc/ppt.pptx
+++ b/doc/ppt.pptx
@@ -230,7 +230,7 @@
             <a:pPr rtl="0"/>
             <a:fld id="{23A8DBB9-FF4D-4FDA-AD34-27FA86519578}" type="datetime1">
               <a:rPr lang="zh-CN" altLang="en-US" smtClean="0"/>
-              <a:t>2021/8/16</a:t>
+              <a:t>2021/10/12</a:t>
             </a:fld>
             <a:endParaRPr lang="en-US"/>
           </a:p>
@@ -400,7 +400,7 @@
             <a:pPr rtl="0"/>
             <a:fld id="{8E1CCE20-FD2F-40C5-ABE3-3369F20AA0E6}" type="datetime1">
               <a:rPr lang="zh-CN" altLang="en-US" smtClean="0"/>
-              <a:t>2021/8/16</a:t>
+              <a:t>2021/10/12</a:t>
             </a:fld>
             <a:endParaRPr lang="en-US"/>
           </a:p>
@@ -920,7 +920,7 @@
             <a:pPr rtl="0"/>
             <a:fld id="{E203234F-2943-4AD6-8E73-34C216403FC9}" type="datetime1">
               <a:rPr lang="zh-CN" altLang="en-US" smtClean="0"/>
-              <a:t>2021/8/16</a:t>
+              <a:t>2021/10/12</a:t>
             </a:fld>
             <a:endParaRPr lang="en-US" dirty="0"/>
           </a:p>
@@ -1112,7 +1112,7 @@
             <a:pPr rtl="0"/>
             <a:fld id="{6818B044-5115-4C63-8F06-0D627F0729F0}" type="datetime1">
               <a:rPr lang="zh-CN" altLang="en-US" smtClean="0"/>
-              <a:t>2021/8/16</a:t>
+              <a:t>2021/10/12</a:t>
             </a:fld>
             <a:endParaRPr lang="en-US" dirty="0"/>
           </a:p>
@@ -1358,7 +1358,7 @@
             <a:pPr rtl="0"/>
             <a:fld id="{C0E476C3-78BD-40CB-9C6F-0D41DD7E1D50}" type="datetime1">
               <a:rPr lang="zh-CN" altLang="en-US" smtClean="0"/>
-              <a:t>2021/8/16</a:t>
+              <a:t>2021/10/12</a:t>
             </a:fld>
             <a:endParaRPr lang="en-US" dirty="0"/>
           </a:p>
@@ -1550,7 +1550,7 @@
             <a:pPr rtl="0"/>
             <a:fld id="{A24A4C0A-F292-41BE-9CD1-530467B1B9F8}" type="datetime1">
               <a:rPr lang="zh-CN" altLang="en-US" smtClean="0"/>
-              <a:t>2021/8/16</a:t>
+              <a:t>2021/10/12</a:t>
             </a:fld>
             <a:endParaRPr lang="en-US" dirty="0"/>
           </a:p>
@@ -1927,7 +1927,7 @@
             <a:pPr rtl="0"/>
             <a:fld id="{C31630FC-7090-4D1C-93D5-113C82941F4E}" type="datetime1">
               <a:rPr lang="zh-CN" altLang="en-US" smtClean="0"/>
-              <a:t>2021/8/16</a:t>
+              <a:t>2021/10/12</a:t>
             </a:fld>
             <a:endParaRPr lang="en-US" dirty="0"/>
           </a:p>
@@ -2186,7 +2186,7 @@
             <a:pPr rtl="0"/>
             <a:fld id="{81EDFCFC-F8E9-4049-95DD-C79391CC7BFF}" type="datetime1">
               <a:rPr lang="zh-CN" altLang="en-US" smtClean="0"/>
-              <a:t>2021/8/16</a:t>
+              <a:t>2021/10/12</a:t>
             </a:fld>
             <a:endParaRPr lang="en-US" dirty="0"/>
           </a:p>
@@ -2587,7 +2587,7 @@
             <a:pPr rtl="0"/>
             <a:fld id="{EFBE5E81-E012-42C1-892B-1E2892457684}" type="datetime1">
               <a:rPr lang="zh-CN" altLang="en-US" smtClean="0"/>
-              <a:t>2021/8/16</a:t>
+              <a:t>2021/10/12</a:t>
             </a:fld>
             <a:endParaRPr lang="en-US" dirty="0"/>
           </a:p>
@@ -2727,7 +2727,7 @@
             <a:pPr rtl="0"/>
             <a:fld id="{DA05DBCF-E3D4-4FC7-9203-C0C05B2BAA55}" type="datetime1">
               <a:rPr lang="zh-CN" altLang="en-US" smtClean="0"/>
-              <a:t>2021/8/16</a:t>
+              <a:t>2021/10/12</a:t>
             </a:fld>
             <a:endParaRPr lang="en-US" dirty="0"/>
           </a:p>
@@ -2887,7 +2887,7 @@
             <a:pPr rtl="0"/>
             <a:fld id="{4910A522-F0F5-43AE-870D-B1652467F5E7}" type="datetime1">
               <a:rPr lang="zh-CN" altLang="en-US" smtClean="0"/>
-              <a:t>2021/8/16</a:t>
+              <a:t>2021/10/12</a:t>
             </a:fld>
             <a:endParaRPr lang="en-US" dirty="0"/>
           </a:p>
@@ -3220,7 +3220,7 @@
             <a:pPr rtl="0"/>
             <a:fld id="{4571CF06-CFCF-4651-AD58-EA72AF9A9AA5}" type="datetime1">
               <a:rPr lang="zh-CN" altLang="en-US" smtClean="0"/>
-              <a:t>2021/8/16</a:t>
+              <a:t>2021/10/12</a:t>
             </a:fld>
             <a:endParaRPr lang="en-US" dirty="0"/>
           </a:p>
@@ -3575,7 +3575,7 @@
             <a:pPr rtl="0"/>
             <a:fld id="{A78803E1-1726-4879-80E3-452B390141DD}" type="datetime1">
               <a:rPr lang="zh-CN" altLang="en-US" smtClean="0"/>
-              <a:t>2021/8/16</a:t>
+              <a:t>2021/10/12</a:t>
             </a:fld>
             <a:endParaRPr lang="en-US" dirty="0"/>
           </a:p>
@@ -3840,7 +3840,7 @@
           <a:p>
             <a:fld id="{4ECCA8BC-1B61-46E2-9581-00FC2FDA063C}" type="datetime1">
               <a:rPr lang="zh-CN" altLang="en-US" smtClean="0"/>
-              <a:t>2021/8/16</a:t>
+              <a:t>2021/10/12</a:t>
             </a:fld>
             <a:endParaRPr lang="en-US" dirty="0"/>
           </a:p>
@@ -4972,7 +4972,7 @@
             <a:pPr rtl="0"/>
             <a:fld id="{A24A4C0A-F292-41BE-9CD1-530467B1B9F8}" type="datetime1">
               <a:rPr lang="zh-CN" altLang="en-US" smtClean="0"/>
-              <a:t>2021/8/16</a:t>
+              <a:t>2021/10/12</a:t>
             </a:fld>
             <a:endParaRPr lang="en-US" dirty="0"/>
           </a:p>
@@ -5602,7 +5602,7 @@
             <a:pPr rtl="0"/>
             <a:fld id="{A24A4C0A-F292-41BE-9CD1-530467B1B9F8}" type="datetime1">
               <a:rPr lang="zh-CN" altLang="en-US" smtClean="0"/>
-              <a:t>2021/8/16</a:t>
+              <a:t>2021/10/12</a:t>
             </a:fld>
             <a:endParaRPr lang="en-US" dirty="0"/>
           </a:p>
@@ -6078,7 +6078,7 @@
             <a:pPr rtl="0"/>
             <a:fld id="{A24A4C0A-F292-41BE-9CD1-530467B1B9F8}" type="datetime1">
               <a:rPr lang="zh-CN" altLang="en-US" smtClean="0"/>
-              <a:t>2021/8/16</a:t>
+              <a:t>2021/10/12</a:t>
             </a:fld>
             <a:endParaRPr lang="en-US" dirty="0"/>
           </a:p>
@@ -6553,7 +6553,7 @@
             <a:pPr rtl="0"/>
             <a:fld id="{A24A4C0A-F292-41BE-9CD1-530467B1B9F8}" type="datetime1">
               <a:rPr lang="zh-CN" altLang="en-US" smtClean="0"/>
-              <a:t>2021/8/16</a:t>
+              <a:t>2021/10/12</a:t>
             </a:fld>
             <a:endParaRPr lang="en-US" dirty="0"/>
           </a:p>
@@ -6994,7 +6994,7 @@
             <a:pPr rtl="0"/>
             <a:fld id="{A24A4C0A-F292-41BE-9CD1-530467B1B9F8}" type="datetime1">
               <a:rPr lang="zh-CN" altLang="en-US" smtClean="0"/>
-              <a:t>2021/8/16</a:t>
+              <a:t>2021/10/12</a:t>
             </a:fld>
             <a:endParaRPr lang="en-US" dirty="0"/>
           </a:p>
@@ -7440,7 +7440,7 @@
             <a:pPr rtl="0"/>
             <a:fld id="{A24A4C0A-F292-41BE-9CD1-530467B1B9F8}" type="datetime1">
               <a:rPr lang="zh-CN" altLang="en-US" smtClean="0"/>
-              <a:t>2021/8/16</a:t>
+              <a:t>2021/10/12</a:t>
             </a:fld>
             <a:endParaRPr lang="en-US" dirty="0"/>
           </a:p>
@@ -7995,7 +7995,7 @@
             <a:pPr rtl="0"/>
             <a:fld id="{A24A4C0A-F292-41BE-9CD1-530467B1B9F8}" type="datetime1">
               <a:rPr lang="zh-CN" altLang="en-US" smtClean="0"/>
-              <a:t>2021/8/16</a:t>
+              <a:t>2021/10/12</a:t>
             </a:fld>
             <a:endParaRPr lang="en-US" dirty="0"/>
           </a:p>
@@ -8454,10 +8454,10 @@
       </p:sp>
       <p:pic>
         <p:nvPicPr>
-          <p:cNvPr id="10" name="图片 9">
+          <p:cNvPr id="5" name="图片 4">
             <a:extLst>
               <a:ext uri="{FF2B5EF4-FFF2-40B4-BE49-F238E27FC236}">
-                <a16:creationId xmlns:a16="http://schemas.microsoft.com/office/drawing/2014/main" id="{091E103D-E302-4714-9D5C-26DC4748B363}"/>
+                <a16:creationId xmlns:a16="http://schemas.microsoft.com/office/drawing/2014/main" id="{5D27E163-BA23-4B65-A4F6-664992750B10}"/>
               </a:ext>
             </a:extLst>
           </p:cNvPr>
@@ -8480,8 +8480,8 @@
         </p:blipFill>
         <p:spPr>
           <a:xfrm>
-            <a:off x="2993214" y="1317072"/>
-            <a:ext cx="9036424" cy="5254325"/>
+            <a:off x="3674377" y="1967424"/>
+            <a:ext cx="7721840" cy="4378848"/>
           </a:xfrm>
           <a:prstGeom prst="rect">
             <a:avLst/>
@@ -8571,7 +8571,7 @@
             <a:pPr rtl="0"/>
             <a:fld id="{A24A4C0A-F292-41BE-9CD1-530467B1B9F8}" type="datetime1">
               <a:rPr lang="zh-CN" altLang="en-US" smtClean="0"/>
-              <a:t>2021/8/16</a:t>
+              <a:t>2021/10/12</a:t>
             </a:fld>
             <a:endParaRPr lang="en-US" dirty="0"/>
           </a:p>
@@ -9314,7 +9314,7 @@
             <a:pPr rtl="0"/>
             <a:fld id="{A24A4C0A-F292-41BE-9CD1-530467B1B9F8}" type="datetime1">
               <a:rPr lang="zh-CN" altLang="en-US" smtClean="0"/>
-              <a:t>2021/8/16</a:t>
+              <a:t>2021/10/12</a:t>
             </a:fld>
             <a:endParaRPr lang="en-US" dirty="0"/>
           </a:p>
@@ -9978,7 +9978,7 @@
             <a:pPr rtl="0"/>
             <a:fld id="{A24A4C0A-F292-41BE-9CD1-530467B1B9F8}" type="datetime1">
               <a:rPr lang="zh-CN" altLang="en-US" smtClean="0"/>
-              <a:t>2021/8/16</a:t>
+              <a:t>2021/10/12</a:t>
             </a:fld>
             <a:endParaRPr lang="en-US" dirty="0"/>
           </a:p>
@@ -10067,7 +10067,7 @@
             <a:pPr rtl="0"/>
             <a:fld id="{A24A4C0A-F292-41BE-9CD1-530467B1B9F8}" type="datetime1">
               <a:rPr lang="zh-CN" altLang="en-US" smtClean="0"/>
-              <a:t>2021/8/16</a:t>
+              <a:t>2021/10/12</a:t>
             </a:fld>
             <a:endParaRPr lang="en-US" dirty="0"/>
           </a:p>
@@ -10264,7 +10264,7 @@
             <a:pPr rtl="0"/>
             <a:fld id="{A24A4C0A-F292-41BE-9CD1-530467B1B9F8}" type="datetime1">
               <a:rPr lang="zh-CN" altLang="en-US" smtClean="0"/>
-              <a:t>2021/8/16</a:t>
+              <a:t>2021/10/12</a:t>
             </a:fld>
             <a:endParaRPr lang="en-US" dirty="0"/>
           </a:p>
@@ -10792,7 +10792,7 @@
             <a:pPr rtl="0"/>
             <a:fld id="{A24A4C0A-F292-41BE-9CD1-530467B1B9F8}" type="datetime1">
               <a:rPr lang="zh-CN" altLang="en-US" smtClean="0"/>
-              <a:t>2021/8/16</a:t>
+              <a:t>2021/10/12</a:t>
             </a:fld>
             <a:endParaRPr lang="en-US" dirty="0"/>
           </a:p>
@@ -11743,7 +11743,7 @@
             <a:pPr rtl="0"/>
             <a:fld id="{A24A4C0A-F292-41BE-9CD1-530467B1B9F8}" type="datetime1">
               <a:rPr lang="zh-CN" altLang="en-US" smtClean="0"/>
-              <a:t>2021/8/16</a:t>
+              <a:t>2021/10/12</a:t>
             </a:fld>
             <a:endParaRPr lang="en-US" dirty="0"/>
           </a:p>
@@ -11832,7 +11832,7 @@
             <a:pPr rtl="0"/>
             <a:fld id="{A24A4C0A-F292-41BE-9CD1-530467B1B9F8}" type="datetime1">
               <a:rPr lang="zh-CN" altLang="en-US" smtClean="0"/>
-              <a:t>2021/8/16</a:t>
+              <a:t>2021/10/12</a:t>
             </a:fld>
             <a:endParaRPr lang="en-US" dirty="0"/>
           </a:p>
@@ -12573,7 +12573,7 @@
             <a:pPr rtl="0"/>
             <a:fld id="{A24A4C0A-F292-41BE-9CD1-530467B1B9F8}" type="datetime1">
               <a:rPr lang="zh-CN" altLang="en-US" smtClean="0"/>
-              <a:t>2021/8/16</a:t>
+              <a:t>2021/10/12</a:t>
             </a:fld>
             <a:endParaRPr lang="en-US" dirty="0"/>
           </a:p>
@@ -12737,7 +12737,7 @@
             <a:pPr rtl="0"/>
             <a:fld id="{A24A4C0A-F292-41BE-9CD1-530467B1B9F8}" type="datetime1">
               <a:rPr lang="zh-CN" altLang="en-US" smtClean="0"/>
-              <a:t>2021/8/16</a:t>
+              <a:t>2021/10/12</a:t>
             </a:fld>
             <a:endParaRPr lang="en-US" dirty="0"/>
           </a:p>
@@ -12826,7 +12826,7 @@
             <a:pPr rtl="0"/>
             <a:fld id="{A24A4C0A-F292-41BE-9CD1-530467B1B9F8}" type="datetime1">
               <a:rPr lang="zh-CN" altLang="en-US" smtClean="0"/>
-              <a:t>2021/8/16</a:t>
+              <a:t>2021/10/12</a:t>
             </a:fld>
             <a:endParaRPr lang="en-US" dirty="0"/>
           </a:p>
@@ -13380,7 +13380,7 @@
             <a:pPr rtl="0"/>
             <a:fld id="{A24A4C0A-F292-41BE-9CD1-530467B1B9F8}" type="datetime1">
               <a:rPr lang="zh-CN" altLang="en-US" smtClean="0"/>
-              <a:t>2021/8/16</a:t>
+              <a:t>2021/10/12</a:t>
             </a:fld>
             <a:endParaRPr lang="en-US" dirty="0"/>
           </a:p>
